--- a/Publications/2017-09-11 DDA Accessibility Standards v 1.1 rebrand.pptx
+++ b/Publications/2017-09-11 DDA Accessibility Standards v 1.1 rebrand.pptx
@@ -109,7 +109,7 @@
   </p:defaultTextStyle>
   <p:extLst>
     <p:ext uri="{EFAFB233-063F-42B5-8137-9DF3F51BA10A}">
-      <p15:sldGuideLst xmlns="" xmlns:p15="http://schemas.microsoft.com/office/powerpoint/2012/main">
+      <p15:sldGuideLst xmlns:p15="http://schemas.microsoft.com/office/powerpoint/2012/main" xmlns="">
         <p15:guide id="1" orient="horz" pos="2160">
           <p15:clr>
             <a:srgbClr val="A4A3A4"/>
@@ -215,7 +215,7 @@
             <a:fld id="{4F417862-3357-4D25-B947-941A72C7E265}" type="datetimeFigureOut">
               <a:rPr lang="en-GB" smtClean="0"/>
               <a:pPr/>
-              <a:t>14/02/2018</a:t>
+              <a:t>13/06/2018</a:t>
             </a:fld>
             <a:endParaRPr lang="en-GB"/>
           </a:p>
@@ -695,7 +695,7 @@
             <a:fld id="{EDFCBE2B-0C51-4BD5-9C6D-4FFF3496872B}" type="datetimeFigureOut">
               <a:rPr lang="en-GB" smtClean="0"/>
               <a:pPr/>
-              <a:t>14/02/2018</a:t>
+              <a:t>13/06/2018</a:t>
             </a:fld>
             <a:endParaRPr lang="en-GB" dirty="0"/>
           </a:p>
@@ -747,7 +747,7 @@
     </p:spTree>
     <p:extLst>
       <p:ext uri="{BB962C8B-B14F-4D97-AF65-F5344CB8AC3E}">
-        <p14:creationId xmlns:p14="http://schemas.microsoft.com/office/powerpoint/2010/main" xmlns="" val="3544165767"/>
+        <p14:creationId xmlns="" xmlns:p14="http://schemas.microsoft.com/office/powerpoint/2010/main" val="3544165767"/>
       </p:ext>
     </p:extLst>
   </p:cSld>
@@ -867,7 +867,7 @@
             <a:fld id="{EDFCBE2B-0C51-4BD5-9C6D-4FFF3496872B}" type="datetimeFigureOut">
               <a:rPr lang="en-GB" smtClean="0"/>
               <a:pPr/>
-              <a:t>14/02/2018</a:t>
+              <a:t>13/06/2018</a:t>
             </a:fld>
             <a:endParaRPr lang="en-GB" dirty="0"/>
           </a:p>
@@ -919,7 +919,7 @@
     </p:spTree>
     <p:extLst>
       <p:ext uri="{BB962C8B-B14F-4D97-AF65-F5344CB8AC3E}">
-        <p14:creationId xmlns:p14="http://schemas.microsoft.com/office/powerpoint/2010/main" xmlns="" val="1680196651"/>
+        <p14:creationId xmlns="" xmlns:p14="http://schemas.microsoft.com/office/powerpoint/2010/main" val="1680196651"/>
       </p:ext>
     </p:extLst>
   </p:cSld>
@@ -1049,7 +1049,7 @@
             <a:fld id="{EDFCBE2B-0C51-4BD5-9C6D-4FFF3496872B}" type="datetimeFigureOut">
               <a:rPr lang="en-GB" smtClean="0"/>
               <a:pPr/>
-              <a:t>14/02/2018</a:t>
+              <a:t>13/06/2018</a:t>
             </a:fld>
             <a:endParaRPr lang="en-GB" dirty="0"/>
           </a:p>
@@ -1101,7 +1101,7 @@
     </p:spTree>
     <p:extLst>
       <p:ext uri="{BB962C8B-B14F-4D97-AF65-F5344CB8AC3E}">
-        <p14:creationId xmlns:p14="http://schemas.microsoft.com/office/powerpoint/2010/main" xmlns="" val="1819005600"/>
+        <p14:creationId xmlns="" xmlns:p14="http://schemas.microsoft.com/office/powerpoint/2010/main" val="1819005600"/>
       </p:ext>
     </p:extLst>
   </p:cSld>
@@ -1246,7 +1246,7 @@
             <a:fld id="{EDFCBE2B-0C51-4BD5-9C6D-4FFF3496872B}" type="datetimeFigureOut">
               <a:rPr lang="en-GB" smtClean="0"/>
               <a:pPr/>
-              <a:t>14/02/2018</a:t>
+              <a:t>13/06/2018</a:t>
             </a:fld>
             <a:endParaRPr lang="en-GB" dirty="0"/>
           </a:p>
@@ -1298,7 +1298,7 @@
     </p:spTree>
     <p:extLst>
       <p:ext uri="{BB962C8B-B14F-4D97-AF65-F5344CB8AC3E}">
-        <p14:creationId xmlns:p14="http://schemas.microsoft.com/office/powerpoint/2010/main" xmlns="" val="4250909237"/>
+        <p14:creationId xmlns="" xmlns:p14="http://schemas.microsoft.com/office/powerpoint/2010/main" val="4250909237"/>
       </p:ext>
     </p:extLst>
   </p:cSld>
@@ -1494,7 +1494,7 @@
             <a:fld id="{EDFCBE2B-0C51-4BD5-9C6D-4FFF3496872B}" type="datetimeFigureOut">
               <a:rPr lang="en-GB" smtClean="0"/>
               <a:pPr/>
-              <a:t>14/02/2018</a:t>
+              <a:t>13/06/2018</a:t>
             </a:fld>
             <a:endParaRPr lang="en-GB" dirty="0"/>
           </a:p>
@@ -1546,7 +1546,7 @@
     </p:spTree>
     <p:extLst>
       <p:ext uri="{BB962C8B-B14F-4D97-AF65-F5344CB8AC3E}">
-        <p14:creationId xmlns:p14="http://schemas.microsoft.com/office/powerpoint/2010/main" xmlns="" val="357169600"/>
+        <p14:creationId xmlns="" xmlns:p14="http://schemas.microsoft.com/office/powerpoint/2010/main" val="357169600"/>
       </p:ext>
     </p:extLst>
   </p:cSld>
@@ -1728,7 +1728,7 @@
             <a:fld id="{EDFCBE2B-0C51-4BD5-9C6D-4FFF3496872B}" type="datetimeFigureOut">
               <a:rPr lang="en-GB" smtClean="0"/>
               <a:pPr/>
-              <a:t>14/02/2018</a:t>
+              <a:t>13/06/2018</a:t>
             </a:fld>
             <a:endParaRPr lang="en-GB" dirty="0"/>
           </a:p>
@@ -1780,7 +1780,7 @@
     </p:spTree>
     <p:extLst>
       <p:ext uri="{BB962C8B-B14F-4D97-AF65-F5344CB8AC3E}">
-        <p14:creationId xmlns:p14="http://schemas.microsoft.com/office/powerpoint/2010/main" xmlns="" val="3124808491"/>
+        <p14:creationId xmlns="" xmlns:p14="http://schemas.microsoft.com/office/powerpoint/2010/main" val="3124808491"/>
       </p:ext>
     </p:extLst>
   </p:cSld>
@@ -2097,7 +2097,7 @@
             <a:fld id="{EDFCBE2B-0C51-4BD5-9C6D-4FFF3496872B}" type="datetimeFigureOut">
               <a:rPr lang="en-GB" smtClean="0"/>
               <a:pPr/>
-              <a:t>14/02/2018</a:t>
+              <a:t>13/06/2018</a:t>
             </a:fld>
             <a:endParaRPr lang="en-GB" dirty="0"/>
           </a:p>
@@ -2149,7 +2149,7 @@
     </p:spTree>
     <p:extLst>
       <p:ext uri="{BB962C8B-B14F-4D97-AF65-F5344CB8AC3E}">
-        <p14:creationId xmlns:p14="http://schemas.microsoft.com/office/powerpoint/2010/main" xmlns="" val="210270042"/>
+        <p14:creationId xmlns="" xmlns:p14="http://schemas.microsoft.com/office/powerpoint/2010/main" val="210270042"/>
       </p:ext>
     </p:extLst>
   </p:cSld>
@@ -2217,7 +2217,7 @@
             <a:fld id="{EDFCBE2B-0C51-4BD5-9C6D-4FFF3496872B}" type="datetimeFigureOut">
               <a:rPr lang="en-GB" smtClean="0"/>
               <a:pPr/>
-              <a:t>14/02/2018</a:t>
+              <a:t>13/06/2018</a:t>
             </a:fld>
             <a:endParaRPr lang="en-GB" dirty="0"/>
           </a:p>
@@ -2269,7 +2269,7 @@
     </p:spTree>
     <p:extLst>
       <p:ext uri="{BB962C8B-B14F-4D97-AF65-F5344CB8AC3E}">
-        <p14:creationId xmlns:p14="http://schemas.microsoft.com/office/powerpoint/2010/main" xmlns="" val="2550381246"/>
+        <p14:creationId xmlns="" xmlns:p14="http://schemas.microsoft.com/office/powerpoint/2010/main" val="2550381246"/>
       </p:ext>
     </p:extLst>
   </p:cSld>
@@ -2314,7 +2314,7 @@
             <a:fld id="{EDFCBE2B-0C51-4BD5-9C6D-4FFF3496872B}" type="datetimeFigureOut">
               <a:rPr lang="en-GB" smtClean="0"/>
               <a:pPr/>
-              <a:t>14/02/2018</a:t>
+              <a:t>13/06/2018</a:t>
             </a:fld>
             <a:endParaRPr lang="en-GB" dirty="0"/>
           </a:p>
@@ -2366,7 +2366,7 @@
     </p:spTree>
     <p:extLst>
       <p:ext uri="{BB962C8B-B14F-4D97-AF65-F5344CB8AC3E}">
-        <p14:creationId xmlns:p14="http://schemas.microsoft.com/office/powerpoint/2010/main" xmlns="" val="3466431153"/>
+        <p14:creationId xmlns="" xmlns:p14="http://schemas.microsoft.com/office/powerpoint/2010/main" val="3466431153"/>
       </p:ext>
     </p:extLst>
   </p:cSld>
@@ -2593,7 +2593,7 @@
             <a:fld id="{EDFCBE2B-0C51-4BD5-9C6D-4FFF3496872B}" type="datetimeFigureOut">
               <a:rPr lang="en-GB" smtClean="0"/>
               <a:pPr/>
-              <a:t>14/02/2018</a:t>
+              <a:t>13/06/2018</a:t>
             </a:fld>
             <a:endParaRPr lang="en-GB" dirty="0"/>
           </a:p>
@@ -2645,7 +2645,7 @@
     </p:spTree>
     <p:extLst>
       <p:ext uri="{BB962C8B-B14F-4D97-AF65-F5344CB8AC3E}">
-        <p14:creationId xmlns:p14="http://schemas.microsoft.com/office/powerpoint/2010/main" xmlns="" val="1238823252"/>
+        <p14:creationId xmlns="" xmlns:p14="http://schemas.microsoft.com/office/powerpoint/2010/main" val="1238823252"/>
       </p:ext>
     </p:extLst>
   </p:cSld>
@@ -2848,7 +2848,7 @@
             <a:fld id="{EDFCBE2B-0C51-4BD5-9C6D-4FFF3496872B}" type="datetimeFigureOut">
               <a:rPr lang="en-GB" smtClean="0"/>
               <a:pPr/>
-              <a:t>14/02/2018</a:t>
+              <a:t>13/06/2018</a:t>
             </a:fld>
             <a:endParaRPr lang="en-GB" dirty="0"/>
           </a:p>
@@ -2900,7 +2900,7 @@
     </p:spTree>
     <p:extLst>
       <p:ext uri="{BB962C8B-B14F-4D97-AF65-F5344CB8AC3E}">
-        <p14:creationId xmlns:p14="http://schemas.microsoft.com/office/powerpoint/2010/main" xmlns="" val="2235361915"/>
+        <p14:creationId xmlns="" xmlns:p14="http://schemas.microsoft.com/office/powerpoint/2010/main" val="2235361915"/>
       </p:ext>
     </p:extLst>
   </p:cSld>
@@ -3063,7 +3063,7 @@
             <a:fld id="{EDFCBE2B-0C51-4BD5-9C6D-4FFF3496872B}" type="datetimeFigureOut">
               <a:rPr lang="en-GB" smtClean="0"/>
               <a:pPr/>
-              <a:t>14/02/2018</a:t>
+              <a:t>13/06/2018</a:t>
             </a:fld>
             <a:endParaRPr lang="en-GB" dirty="0"/>
           </a:p>
@@ -3151,7 +3151,7 @@
     </p:spTree>
     <p:extLst>
       <p:ext uri="{BB962C8B-B14F-4D97-AF65-F5344CB8AC3E}">
-        <p14:creationId xmlns:p14="http://schemas.microsoft.com/office/powerpoint/2010/main" xmlns="" val="4280266982"/>
+        <p14:creationId xmlns="" xmlns:p14="http://schemas.microsoft.com/office/powerpoint/2010/main" val="4280266982"/>
       </p:ext>
     </p:extLst>
   </p:cSld>
@@ -3930,35 +3930,8 @@
                 <a:latin typeface="Arial" pitchFamily="34" charset="0"/>
                 <a:cs typeface="Arial" pitchFamily="34" charset="0"/>
               </a:rPr>
-              <a:t>For help and advice on Accessibility Standards contact: </a:t>
-            </a:r>
-            <a:r>
-              <a:rPr lang="en-GB" sz="2000" dirty="0" smtClean="0">
-                <a:solidFill>
-                  <a:srgbClr val="004785"/>
-                </a:solidFill>
-                <a:latin typeface="Arial" pitchFamily="34" charset="0"/>
-                <a:cs typeface="Arial" pitchFamily="34" charset="0"/>
-              </a:rPr>
-              <a:t>n</a:t>
-            </a:r>
-            <a:r>
-              <a:rPr lang="en-GB" sz="2000" dirty="0" smtClean="0">
-                <a:solidFill>
-                  <a:srgbClr val="004785"/>
-                </a:solidFill>
-                <a:latin typeface="Arial" pitchFamily="34" charset="0"/>
-                <a:cs typeface="Arial" pitchFamily="34" charset="0"/>
-              </a:rPr>
-              <a:t>ss.communications@nhs.net</a:t>
-            </a:r>
-            <a:endParaRPr lang="en-GB" sz="2000" dirty="0" smtClean="0">
-              <a:solidFill>
-                <a:srgbClr val="004785"/>
-              </a:solidFill>
-              <a:latin typeface="Arial" pitchFamily="34" charset="0"/>
-              <a:cs typeface="Arial" pitchFamily="34" charset="0"/>
-            </a:endParaRPr>
+              <a:t>For help and advice on Accessibility Standards contact: nss.communications@nhs.net</a:t>
+            </a:r>
           </a:p>
         </p:txBody>
       </p:sp>
@@ -4280,7 +4253,7 @@
   <a:extraClrSchemeLst/>
   <a:extLst>
     <a:ext uri="{05A4C25C-085E-4340-85A3-A5531E510DB2}">
-      <thm15:themeFamily xmlns="" xmlns:thm15="http://schemas.microsoft.com/office/thememl/2012/main" name="Office Theme" id="{62F939B6-93AF-4DB8-9C6B-D6C7DFDC589F}" vid="{4A3C46E8-61CC-4603-A589-7422A47A8E4A}"/>
+      <thm15:themeFamily xmlns:thm15="http://schemas.microsoft.com/office/thememl/2012/main" xmlns="" name="Office Theme" id="{62F939B6-93AF-4DB8-9C6B-D6C7DFDC589F}" vid="{4A3C46E8-61CC-4603-A589-7422A47A8E4A}"/>
     </a:ext>
   </a:extLst>
 </a:theme>
